--- a/宣道詩/(宣道詩55)我今來就十字架.pptx
+++ b/宣道詩/(宣道詩55)我今來就十字架.pptx
@@ -14,7 +14,7 @@
     <p:sldId id="262" r:id="rId8"/>
     <p:sldId id="263" r:id="rId9"/>
   </p:sldIdLst>
-  <p:sldSz cx="9144000" cy="6858000" type="screen4x3"/>
+  <p:sldSz cx="12192000" cy="6858000"/>
   <p:notesSz cx="6858000" cy="9144000"/>
   <p:defaultTextStyle>
     <a:defPPr>
@@ -111,6 +111,22 @@
       </a:defRPr>
     </a:lvl9pPr>
   </p:defaultTextStyle>
+  <p:extLst>
+    <p:ext uri="{EFAFB233-063F-42B5-8137-9DF3F51BA10A}">
+      <p15:sldGuideLst xmlns:p15="http://schemas.microsoft.com/office/powerpoint/2012/main">
+        <p15:guide id="1" orient="horz" pos="2160" userDrawn="1">
+          <p15:clr>
+            <a:srgbClr val="A4A3A4"/>
+          </p15:clr>
+        </p15:guide>
+        <p15:guide id="2" pos="3840" userDrawn="1">
+          <p15:clr>
+            <a:srgbClr val="A4A3A4"/>
+          </p15:clr>
+        </p15:guide>
+      </p15:sldGuideLst>
+    </p:ext>
+  </p:extLst>
 </p:presentation>
 </file>
 
@@ -143,8 +159,8 @@
         </p:nvSpPr>
         <p:spPr>
           <a:xfrm>
-            <a:off x="685800" y="2130425"/>
-            <a:ext cx="7772400" cy="1470025"/>
+            <a:off x="914400" y="2130426"/>
+            <a:ext cx="10363200" cy="1470025"/>
           </a:xfrm>
         </p:spPr>
         <p:txBody>
@@ -171,8 +187,8 @@
         </p:nvSpPr>
         <p:spPr>
           <a:xfrm>
-            <a:off x="1371600" y="3886200"/>
-            <a:ext cx="6400800" cy="1752600"/>
+            <a:off x="1828800" y="3886200"/>
+            <a:ext cx="8534400" cy="1752600"/>
           </a:xfrm>
         </p:spPr>
         <p:txBody>
@@ -295,7 +311,7 @@
           <a:p>
             <a:fld id="{3946B921-FFAD-4FCE-8089-01706DD586D2}" type="datetimeFigureOut">
               <a:rPr lang="zh-TW" altLang="en-US" smtClean="0"/>
-              <a:t>2018/11/3</a:t>
+              <a:t>2020/8/1</a:t>
             </a:fld>
             <a:endParaRPr lang="zh-TW" altLang="en-US"/>
           </a:p>
@@ -460,7 +476,7 @@
           <a:p>
             <a:fld id="{3946B921-FFAD-4FCE-8089-01706DD586D2}" type="datetimeFigureOut">
               <a:rPr lang="zh-TW" altLang="en-US" smtClean="0"/>
-              <a:t>2018/11/3</a:t>
+              <a:t>2020/8/1</a:t>
             </a:fld>
             <a:endParaRPr lang="zh-TW" altLang="en-US"/>
           </a:p>
@@ -545,8 +561,8 @@
         </p:nvSpPr>
         <p:spPr>
           <a:xfrm>
-            <a:off x="6629400" y="274638"/>
-            <a:ext cx="2057400" cy="5851525"/>
+            <a:off x="8839200" y="274639"/>
+            <a:ext cx="2743200" cy="5851525"/>
           </a:xfrm>
         </p:spPr>
         <p:txBody>
@@ -573,8 +589,8 @@
         </p:nvSpPr>
         <p:spPr>
           <a:xfrm>
-            <a:off x="457200" y="274638"/>
-            <a:ext cx="6019800" cy="5851525"/>
+            <a:off x="609600" y="274639"/>
+            <a:ext cx="8026400" cy="5851525"/>
           </a:xfrm>
         </p:spPr>
         <p:txBody>
@@ -635,7 +651,7 @@
           <a:p>
             <a:fld id="{3946B921-FFAD-4FCE-8089-01706DD586D2}" type="datetimeFigureOut">
               <a:rPr lang="zh-TW" altLang="en-US" smtClean="0"/>
-              <a:t>2018/11/3</a:t>
+              <a:t>2020/8/1</a:t>
             </a:fld>
             <a:endParaRPr lang="zh-TW" altLang="en-US"/>
           </a:p>
@@ -800,7 +816,7 @@
           <a:p>
             <a:fld id="{3946B921-FFAD-4FCE-8089-01706DD586D2}" type="datetimeFigureOut">
               <a:rPr lang="zh-TW" altLang="en-US" smtClean="0"/>
-              <a:t>2018/11/3</a:t>
+              <a:t>2020/8/1</a:t>
             </a:fld>
             <a:endParaRPr lang="zh-TW" altLang="en-US"/>
           </a:p>
@@ -885,8 +901,8 @@
         </p:nvSpPr>
         <p:spPr>
           <a:xfrm>
-            <a:off x="722313" y="4406900"/>
-            <a:ext cx="7772400" cy="1362075"/>
+            <a:off x="963084" y="4406901"/>
+            <a:ext cx="10363200" cy="1362075"/>
           </a:xfrm>
         </p:spPr>
         <p:txBody>
@@ -917,8 +933,8 @@
         </p:nvSpPr>
         <p:spPr>
           <a:xfrm>
-            <a:off x="722313" y="2906713"/>
-            <a:ext cx="7772400" cy="1500187"/>
+            <a:off x="963084" y="2906713"/>
+            <a:ext cx="10363200" cy="1500187"/>
           </a:xfrm>
         </p:spPr>
         <p:txBody>
@@ -1041,7 +1057,7 @@
           <a:p>
             <a:fld id="{3946B921-FFAD-4FCE-8089-01706DD586D2}" type="datetimeFigureOut">
               <a:rPr lang="zh-TW" altLang="en-US" smtClean="0"/>
-              <a:t>2018/11/3</a:t>
+              <a:t>2020/8/1</a:t>
             </a:fld>
             <a:endParaRPr lang="zh-TW" altLang="en-US"/>
           </a:p>
@@ -1149,8 +1165,8 @@
         </p:nvSpPr>
         <p:spPr>
           <a:xfrm>
-            <a:off x="457200" y="1600200"/>
-            <a:ext cx="4038600" cy="4525963"/>
+            <a:off x="609600" y="1600201"/>
+            <a:ext cx="5384800" cy="4525963"/>
           </a:xfrm>
         </p:spPr>
         <p:txBody>
@@ -1234,8 +1250,8 @@
         </p:nvSpPr>
         <p:spPr>
           <a:xfrm>
-            <a:off x="4648200" y="1600200"/>
-            <a:ext cx="4038600" cy="4525963"/>
+            <a:off x="6197600" y="1600201"/>
+            <a:ext cx="5384800" cy="4525963"/>
           </a:xfrm>
         </p:spPr>
         <p:txBody>
@@ -1324,7 +1340,7 @@
           <a:p>
             <a:fld id="{3946B921-FFAD-4FCE-8089-01706DD586D2}" type="datetimeFigureOut">
               <a:rPr lang="zh-TW" altLang="en-US" smtClean="0"/>
-              <a:t>2018/11/3</a:t>
+              <a:t>2020/8/1</a:t>
             </a:fld>
             <a:endParaRPr lang="zh-TW" altLang="en-US"/>
           </a:p>
@@ -1436,8 +1452,8 @@
         </p:nvSpPr>
         <p:spPr>
           <a:xfrm>
-            <a:off x="457200" y="1535113"/>
-            <a:ext cx="4040188" cy="639762"/>
+            <a:off x="609600" y="1535113"/>
+            <a:ext cx="5386917" cy="639762"/>
           </a:xfrm>
         </p:spPr>
         <p:txBody>
@@ -1501,8 +1517,8 @@
         </p:nvSpPr>
         <p:spPr>
           <a:xfrm>
-            <a:off x="457200" y="2174875"/>
-            <a:ext cx="4040188" cy="3951288"/>
+            <a:off x="609600" y="2174875"/>
+            <a:ext cx="5386917" cy="3951288"/>
           </a:xfrm>
         </p:spPr>
         <p:txBody>
@@ -1586,8 +1602,8 @@
         </p:nvSpPr>
         <p:spPr>
           <a:xfrm>
-            <a:off x="4645025" y="1535113"/>
-            <a:ext cx="4041775" cy="639762"/>
+            <a:off x="6193368" y="1535113"/>
+            <a:ext cx="5389033" cy="639762"/>
           </a:xfrm>
         </p:spPr>
         <p:txBody>
@@ -1651,8 +1667,8 @@
         </p:nvSpPr>
         <p:spPr>
           <a:xfrm>
-            <a:off x="4645025" y="2174875"/>
-            <a:ext cx="4041775" cy="3951288"/>
+            <a:off x="6193368" y="2174875"/>
+            <a:ext cx="5389033" cy="3951288"/>
           </a:xfrm>
         </p:spPr>
         <p:txBody>
@@ -1741,7 +1757,7 @@
           <a:p>
             <a:fld id="{3946B921-FFAD-4FCE-8089-01706DD586D2}" type="datetimeFigureOut">
               <a:rPr lang="zh-TW" altLang="en-US" smtClean="0"/>
-              <a:t>2018/11/3</a:t>
+              <a:t>2020/8/1</a:t>
             </a:fld>
             <a:endParaRPr lang="zh-TW" altLang="en-US"/>
           </a:p>
@@ -1854,7 +1870,7 @@
           <a:p>
             <a:fld id="{3946B921-FFAD-4FCE-8089-01706DD586D2}" type="datetimeFigureOut">
               <a:rPr lang="zh-TW" altLang="en-US" smtClean="0"/>
-              <a:t>2018/11/3</a:t>
+              <a:t>2020/8/1</a:t>
             </a:fld>
             <a:endParaRPr lang="zh-TW" altLang="en-US"/>
           </a:p>
@@ -1944,7 +1960,7 @@
           <a:p>
             <a:fld id="{3946B921-FFAD-4FCE-8089-01706DD586D2}" type="datetimeFigureOut">
               <a:rPr lang="zh-TW" altLang="en-US" smtClean="0"/>
-              <a:t>2018/11/3</a:t>
+              <a:t>2020/8/1</a:t>
             </a:fld>
             <a:endParaRPr lang="zh-TW" altLang="en-US"/>
           </a:p>
@@ -2029,8 +2045,8 @@
         </p:nvSpPr>
         <p:spPr>
           <a:xfrm>
-            <a:off x="457200" y="273050"/>
-            <a:ext cx="3008313" cy="1162050"/>
+            <a:off x="609601" y="273050"/>
+            <a:ext cx="4011084" cy="1162050"/>
           </a:xfrm>
         </p:spPr>
         <p:txBody>
@@ -2061,8 +2077,8 @@
         </p:nvSpPr>
         <p:spPr>
           <a:xfrm>
-            <a:off x="3575050" y="273050"/>
-            <a:ext cx="5111750" cy="5853113"/>
+            <a:off x="4766733" y="273051"/>
+            <a:ext cx="6815667" cy="5853113"/>
           </a:xfrm>
         </p:spPr>
         <p:txBody>
@@ -2146,8 +2162,8 @@
         </p:nvSpPr>
         <p:spPr>
           <a:xfrm>
-            <a:off x="457200" y="1435100"/>
-            <a:ext cx="3008313" cy="4691063"/>
+            <a:off x="609601" y="1435101"/>
+            <a:ext cx="4011084" cy="4691063"/>
           </a:xfrm>
         </p:spPr>
         <p:txBody>
@@ -2216,7 +2232,7 @@
           <a:p>
             <a:fld id="{3946B921-FFAD-4FCE-8089-01706DD586D2}" type="datetimeFigureOut">
               <a:rPr lang="zh-TW" altLang="en-US" smtClean="0"/>
-              <a:t>2018/11/3</a:t>
+              <a:t>2020/8/1</a:t>
             </a:fld>
             <a:endParaRPr lang="zh-TW" altLang="en-US"/>
           </a:p>
@@ -2301,8 +2317,8 @@
         </p:nvSpPr>
         <p:spPr>
           <a:xfrm>
-            <a:off x="1792288" y="4800600"/>
-            <a:ext cx="5486400" cy="566738"/>
+            <a:off x="2389717" y="4800600"/>
+            <a:ext cx="7315200" cy="566738"/>
           </a:xfrm>
         </p:spPr>
         <p:txBody>
@@ -2333,8 +2349,8 @@
         </p:nvSpPr>
         <p:spPr>
           <a:xfrm>
-            <a:off x="1792288" y="612775"/>
-            <a:ext cx="5486400" cy="4114800"/>
+            <a:off x="2389717" y="612775"/>
+            <a:ext cx="7315200" cy="4114800"/>
           </a:xfrm>
         </p:spPr>
         <p:txBody>
@@ -2398,8 +2414,8 @@
         </p:nvSpPr>
         <p:spPr>
           <a:xfrm>
-            <a:off x="1792288" y="5367338"/>
-            <a:ext cx="5486400" cy="804862"/>
+            <a:off x="2389717" y="5367338"/>
+            <a:ext cx="7315200" cy="804862"/>
           </a:xfrm>
         </p:spPr>
         <p:txBody>
@@ -2468,7 +2484,7 @@
           <a:p>
             <a:fld id="{3946B921-FFAD-4FCE-8089-01706DD586D2}" type="datetimeFigureOut">
               <a:rPr lang="zh-TW" altLang="en-US" smtClean="0"/>
-              <a:t>2018/11/3</a:t>
+              <a:t>2020/8/1</a:t>
             </a:fld>
             <a:endParaRPr lang="zh-TW" altLang="en-US"/>
           </a:p>
@@ -2563,8 +2579,8 @@
         </p:nvSpPr>
         <p:spPr>
           <a:xfrm>
-            <a:off x="457200" y="274638"/>
-            <a:ext cx="8229600" cy="1143000"/>
+            <a:off x="609600" y="274638"/>
+            <a:ext cx="10972800" cy="1143000"/>
           </a:xfrm>
           <a:prstGeom prst="rect">
             <a:avLst/>
@@ -2596,8 +2612,8 @@
         </p:nvSpPr>
         <p:spPr>
           <a:xfrm>
-            <a:off x="457200" y="1600200"/>
-            <a:ext cx="8229600" cy="4525963"/>
+            <a:off x="609600" y="1600201"/>
+            <a:ext cx="10972800" cy="4525963"/>
           </a:xfrm>
           <a:prstGeom prst="rect">
             <a:avLst/>
@@ -2658,8 +2674,8 @@
         </p:nvSpPr>
         <p:spPr>
           <a:xfrm>
-            <a:off x="457200" y="6356350"/>
-            <a:ext cx="2133600" cy="365125"/>
+            <a:off x="609600" y="6356351"/>
+            <a:ext cx="2844800" cy="365125"/>
           </a:xfrm>
           <a:prstGeom prst="rect">
             <a:avLst/>
@@ -2681,7 +2697,7 @@
           <a:p>
             <a:fld id="{3946B921-FFAD-4FCE-8089-01706DD586D2}" type="datetimeFigureOut">
               <a:rPr lang="zh-TW" altLang="en-US" smtClean="0"/>
-              <a:t>2018/11/3</a:t>
+              <a:t>2020/8/1</a:t>
             </a:fld>
             <a:endParaRPr lang="zh-TW" altLang="en-US"/>
           </a:p>
@@ -2699,8 +2715,8 @@
         </p:nvSpPr>
         <p:spPr>
           <a:xfrm>
-            <a:off x="3124200" y="6356350"/>
-            <a:ext cx="2895600" cy="365125"/>
+            <a:off x="4165600" y="6356351"/>
+            <a:ext cx="3860800" cy="365125"/>
           </a:xfrm>
           <a:prstGeom prst="rect">
             <a:avLst/>
@@ -2736,8 +2752,8 @@
         </p:nvSpPr>
         <p:spPr>
           <a:xfrm>
-            <a:off x="6553200" y="6356350"/>
-            <a:ext cx="2133600" cy="365125"/>
+            <a:off x="8737600" y="6356351"/>
+            <a:ext cx="2844800" cy="365125"/>
           </a:xfrm>
           <a:prstGeom prst="rect">
             <a:avLst/>
@@ -3063,11 +3079,13 @@
         </p:nvSpPr>
         <p:spPr/>
         <p:txBody>
-          <a:bodyPr/>
-          <a:lstStyle/>
-          <a:p>
-            <a:r>
-              <a:rPr lang="zh-CN" altLang="en-US" b="1" dirty="0" smtClean="0">
+          <a:bodyPr>
+            <a:normAutofit/>
+          </a:bodyPr>
+          <a:lstStyle/>
+          <a:p>
+            <a:r>
+              <a:rPr lang="zh-CN" altLang="en-US" sz="4800" b="1" dirty="0" smtClean="0">
                 <a:solidFill>
                   <a:srgbClr val="000066"/>
                 </a:solidFill>
@@ -3076,7 +3094,7 @@
               </a:rPr>
               <a:t>我今來就十字架</a:t>
             </a:r>
-            <a:endParaRPr lang="zh-TW" altLang="en-US" b="1" dirty="0">
+            <a:endParaRPr lang="zh-TW" altLang="en-US" sz="4800" b="1" dirty="0">
               <a:solidFill>
                 <a:srgbClr val="000066"/>
               </a:solidFill>
@@ -3107,7 +3125,7 @@
               <a:buNone/>
             </a:pPr>
             <a:r>
-              <a:rPr lang="zh-CN" altLang="en-US" sz="5400" b="1" dirty="0" smtClean="0">
+              <a:rPr lang="zh-CN" altLang="en-US" sz="5400" b="1" dirty="0">
                 <a:solidFill>
                   <a:srgbClr val="000066"/>
                 </a:solidFill>
@@ -3116,7 +3134,7 @@
               </a:rPr>
               <a:t>我今來就十字架</a:t>
             </a:r>
-            <a:endParaRPr lang="en-US" altLang="zh-CN" sz="5400" b="1" dirty="0" smtClean="0">
+            <a:endParaRPr lang="en-US" altLang="zh-CN" sz="5400" b="1" dirty="0">
               <a:solidFill>
                 <a:srgbClr val="000066"/>
               </a:solidFill>
@@ -3129,7 +3147,7 @@
               <a:buNone/>
             </a:pPr>
             <a:r>
-              <a:rPr lang="zh-CN" altLang="en-US" sz="5400" b="1" dirty="0" smtClean="0">
+              <a:rPr lang="zh-CN" altLang="en-US" sz="5400" b="1" dirty="0">
                 <a:solidFill>
                   <a:srgbClr val="000066"/>
                 </a:solidFill>
@@ -3138,7 +3156,7 @@
               </a:rPr>
               <a:t>貧窮軟弱瞎心眼</a:t>
             </a:r>
-            <a:endParaRPr lang="en-US" altLang="zh-CN" sz="5400" b="1" dirty="0" smtClean="0">
+            <a:endParaRPr lang="en-US" altLang="zh-CN" sz="5400" b="1" dirty="0">
               <a:solidFill>
                 <a:srgbClr val="000066"/>
               </a:solidFill>
@@ -3151,7 +3169,7 @@
               <a:buNone/>
             </a:pPr>
             <a:r>
-              <a:rPr lang="zh-CN" altLang="en-US" sz="5400" b="1" dirty="0" smtClean="0">
+              <a:rPr lang="zh-CN" altLang="en-US" sz="5400" b="1" dirty="0">
                 <a:solidFill>
                   <a:srgbClr val="000066"/>
                 </a:solidFill>
@@ -3160,7 +3178,7 @@
               </a:rPr>
               <a:t>看破萬物像土渣</a:t>
             </a:r>
-            <a:endParaRPr lang="en-US" altLang="zh-CN" sz="5400" b="1" dirty="0" smtClean="0">
+            <a:endParaRPr lang="en-US" altLang="zh-CN" sz="5400" b="1" dirty="0">
               <a:solidFill>
                 <a:srgbClr val="000066"/>
               </a:solidFill>
@@ -3173,7 +3191,7 @@
               <a:buNone/>
             </a:pPr>
             <a:r>
-              <a:rPr lang="zh-CN" altLang="en-US" sz="5400" b="1" dirty="0" smtClean="0">
+              <a:rPr lang="zh-CN" altLang="en-US" sz="5400" b="1" dirty="0">
                 <a:solidFill>
                   <a:srgbClr val="000066"/>
                 </a:solidFill>
@@ -3188,6 +3206,44 @@
               </a:solidFill>
               <a:latin typeface="微軟正黑體" pitchFamily="34" charset="-120"/>
               <a:ea typeface="微軟正黑體" pitchFamily="34" charset="-120"/>
+            </a:endParaRPr>
+          </a:p>
+        </p:txBody>
+      </p:sp>
+      <p:sp>
+        <p:nvSpPr>
+          <p:cNvPr id="2" name="TextBox 1"/>
+          <p:cNvSpPr txBox="1"/>
+          <p:nvPr/>
+        </p:nvSpPr>
+        <p:spPr>
+          <a:xfrm>
+            <a:off x="1703512" y="1700808"/>
+            <a:ext cx="792088" cy="923330"/>
+          </a:xfrm>
+          <a:prstGeom prst="rect">
+            <a:avLst/>
+          </a:prstGeom>
+          <a:noFill/>
+        </p:spPr>
+        <p:txBody>
+          <a:bodyPr wrap="square" rtlCol="0">
+            <a:spAutoFit/>
+          </a:bodyPr>
+          <a:lstStyle/>
+          <a:p>
+            <a:r>
+              <a:rPr lang="en-US" sz="5400" b="1" dirty="0" smtClean="0">
+                <a:solidFill>
+                  <a:srgbClr val="000066"/>
+                </a:solidFill>
+              </a:rPr>
+              <a:t>1.</a:t>
+            </a:r>
+            <a:endParaRPr lang="vi-VN" sz="5400" b="1" dirty="0">
+              <a:solidFill>
+                <a:srgbClr val="000066"/>
+              </a:solidFill>
             </a:endParaRPr>
           </a:p>
         </p:txBody>
@@ -3229,11 +3285,13 @@
         </p:nvSpPr>
         <p:spPr/>
         <p:txBody>
-          <a:bodyPr/>
-          <a:lstStyle/>
-          <a:p>
-            <a:r>
-              <a:rPr lang="zh-CN" altLang="en-US" b="1" dirty="0" smtClean="0">
+          <a:bodyPr>
+            <a:normAutofit/>
+          </a:bodyPr>
+          <a:lstStyle/>
+          <a:p>
+            <a:r>
+              <a:rPr lang="zh-CN" altLang="en-US" sz="4800" b="1" dirty="0">
                 <a:solidFill>
                   <a:srgbClr val="000066"/>
                 </a:solidFill>
@@ -3242,7 +3300,7 @@
               </a:rPr>
               <a:t>我今來就十字架</a:t>
             </a:r>
-            <a:endParaRPr lang="zh-TW" altLang="en-US" b="1" dirty="0">
+            <a:endParaRPr lang="zh-TW" altLang="en-US" sz="4800" b="1" dirty="0">
               <a:solidFill>
                 <a:srgbClr val="000066"/>
               </a:solidFill>
@@ -3273,7 +3331,7 @@
               <a:buNone/>
             </a:pPr>
             <a:r>
-              <a:rPr lang="zh-CN" altLang="en-US" sz="5400" b="1" dirty="0" smtClean="0">
+              <a:rPr lang="zh-CN" altLang="en-US" sz="5400" b="1" dirty="0">
                 <a:solidFill>
                   <a:srgbClr val="000066"/>
                 </a:solidFill>
@@ -3282,7 +3340,7 @@
               </a:rPr>
               <a:t>我今靠救主鴻恩</a:t>
             </a:r>
-            <a:endParaRPr lang="en-US" altLang="zh-CN" sz="5400" b="1" dirty="0" smtClean="0">
+            <a:endParaRPr lang="en-US" altLang="zh-CN" sz="5400" b="1" dirty="0">
               <a:solidFill>
                 <a:srgbClr val="000066"/>
               </a:solidFill>
@@ -3295,26 +3353,16 @@
               <a:buNone/>
             </a:pPr>
             <a:r>
-              <a:rPr lang="zh-CN" altLang="en-US" sz="5400" b="1" dirty="0" smtClean="0">
+              <a:rPr lang="zh-CN" altLang="en-US" sz="5400" b="1" dirty="0">
                 <a:solidFill>
                   <a:srgbClr val="000066"/>
                 </a:solidFill>
                 <a:latin typeface="微軟正黑體" pitchFamily="34" charset="-120"/>
                 <a:ea typeface="微軟正黑體" pitchFamily="34" charset="-120"/>
               </a:rPr>
-              <a:t>因</a:t>
-            </a:r>
-            <a:r>
-              <a:rPr lang="zh-CN" altLang="en-US" sz="5400" b="1" dirty="0" smtClean="0">
-                <a:solidFill>
-                  <a:srgbClr val="000066"/>
-                </a:solidFill>
-                <a:latin typeface="微軟正黑體" pitchFamily="34" charset="-120"/>
-                <a:ea typeface="微軟正黑體" pitchFamily="34" charset="-120"/>
-              </a:rPr>
-              <a:t>爲主可憐罪人</a:t>
-            </a:r>
-            <a:endParaRPr lang="en-US" altLang="zh-CN" sz="5400" b="1" dirty="0" smtClean="0">
+              <a:t>因爲主可憐罪人</a:t>
+            </a:r>
+            <a:endParaRPr lang="en-US" altLang="zh-CN" sz="5400" b="1" dirty="0">
               <a:solidFill>
                 <a:srgbClr val="000066"/>
               </a:solidFill>
@@ -3327,7 +3375,7 @@
               <a:buNone/>
             </a:pPr>
             <a:r>
-              <a:rPr lang="zh-CN" altLang="en-US" sz="5400" b="1" dirty="0" smtClean="0">
+              <a:rPr lang="zh-CN" altLang="en-US" sz="5400" b="1" dirty="0">
                 <a:solidFill>
                   <a:srgbClr val="000066"/>
                 </a:solidFill>
@@ -3336,7 +3384,7 @@
               </a:rPr>
               <a:t>今向主俯首敬拜</a:t>
             </a:r>
-            <a:endParaRPr lang="en-US" altLang="zh-CN" sz="5400" b="1" dirty="0" smtClean="0">
+            <a:endParaRPr lang="en-US" altLang="zh-CN" sz="5400" b="1" dirty="0">
               <a:solidFill>
                 <a:srgbClr val="000066"/>
               </a:solidFill>
@@ -3349,7 +3397,7 @@
               <a:buNone/>
             </a:pPr>
             <a:r>
-              <a:rPr lang="zh-CN" altLang="en-US" sz="5400" b="1" dirty="0" smtClean="0">
+              <a:rPr lang="zh-CN" altLang="en-US" sz="5400" b="1" dirty="0">
                 <a:solidFill>
                   <a:srgbClr val="000066"/>
                 </a:solidFill>
@@ -3405,11 +3453,13 @@
         </p:nvSpPr>
         <p:spPr/>
         <p:txBody>
-          <a:bodyPr/>
-          <a:lstStyle/>
-          <a:p>
-            <a:r>
-              <a:rPr lang="zh-CN" altLang="en-US" b="1" dirty="0" smtClean="0">
+          <a:bodyPr>
+            <a:normAutofit/>
+          </a:bodyPr>
+          <a:lstStyle/>
+          <a:p>
+            <a:r>
+              <a:rPr lang="zh-CN" altLang="en-US" sz="4800" b="1" dirty="0">
                 <a:solidFill>
                   <a:srgbClr val="000066"/>
                 </a:solidFill>
@@ -3418,7 +3468,7 @@
               </a:rPr>
               <a:t>我今來就十字架</a:t>
             </a:r>
-            <a:endParaRPr lang="zh-TW" altLang="en-US" b="1" dirty="0">
+            <a:endParaRPr lang="zh-TW" altLang="en-US" sz="4800" b="1" dirty="0">
               <a:solidFill>
                 <a:srgbClr val="000066"/>
               </a:solidFill>
@@ -3449,7 +3499,7 @@
               <a:buNone/>
             </a:pPr>
             <a:r>
-              <a:rPr lang="zh-CN" altLang="en-US" sz="5400" b="1" dirty="0" smtClean="0">
+              <a:rPr lang="zh-CN" altLang="en-US" sz="5400" b="1" dirty="0">
                 <a:solidFill>
                   <a:srgbClr val="000066"/>
                 </a:solidFill>
@@ -3458,7 +3508,7 @@
               </a:rPr>
               <a:t>願我所有皆捨棄</a:t>
             </a:r>
-            <a:endParaRPr lang="en-US" altLang="zh-CN" sz="5400" b="1" dirty="0" smtClean="0">
+            <a:endParaRPr lang="en-US" altLang="zh-CN" sz="5400" b="1" dirty="0">
               <a:solidFill>
                 <a:srgbClr val="000066"/>
               </a:solidFill>
@@ -3471,7 +3521,7 @@
               <a:buNone/>
             </a:pPr>
             <a:r>
-              <a:rPr lang="zh-CN" altLang="en-US" sz="5400" b="1" dirty="0" smtClean="0">
+              <a:rPr lang="zh-CN" altLang="en-US" sz="5400" b="1" dirty="0">
                 <a:solidFill>
                   <a:srgbClr val="000066"/>
                 </a:solidFill>
@@ -3480,7 +3530,7 @@
               </a:rPr>
               <a:t>我光陰不敢虛度</a:t>
             </a:r>
-            <a:endParaRPr lang="en-US" altLang="zh-CN" sz="5400" b="1" dirty="0" smtClean="0">
+            <a:endParaRPr lang="en-US" altLang="zh-CN" sz="5400" b="1" dirty="0">
               <a:solidFill>
                 <a:srgbClr val="000066"/>
               </a:solidFill>
@@ -3493,7 +3543,7 @@
               <a:buNone/>
             </a:pPr>
             <a:r>
-              <a:rPr lang="zh-CN" altLang="en-US" sz="5400" b="1" dirty="0" smtClean="0">
+              <a:rPr lang="zh-CN" altLang="en-US" sz="5400" b="1" dirty="0">
                 <a:solidFill>
                   <a:srgbClr val="000066"/>
                 </a:solidFill>
@@ -3502,7 +3552,7 @@
               </a:rPr>
               <a:t>獻全身心作活祭</a:t>
             </a:r>
-            <a:endParaRPr lang="en-US" altLang="zh-CN" sz="5400" b="1" dirty="0" smtClean="0">
+            <a:endParaRPr lang="en-US" altLang="zh-CN" sz="5400" b="1" dirty="0">
               <a:solidFill>
                 <a:srgbClr val="000066"/>
               </a:solidFill>
@@ -3515,7 +3565,7 @@
               <a:buNone/>
             </a:pPr>
             <a:r>
-              <a:rPr lang="zh-CN" altLang="en-US" sz="5400" b="1" dirty="0" smtClean="0">
+              <a:rPr lang="zh-CN" altLang="en-US" sz="5400" b="1" dirty="0">
                 <a:solidFill>
                   <a:srgbClr val="000066"/>
                 </a:solidFill>
@@ -3530,6 +3580,52 @@
               </a:solidFill>
               <a:latin typeface="微軟正黑體" pitchFamily="34" charset="-120"/>
               <a:ea typeface="微軟正黑體" pitchFamily="34" charset="-120"/>
+            </a:endParaRPr>
+          </a:p>
+        </p:txBody>
+      </p:sp>
+      <p:sp>
+        <p:nvSpPr>
+          <p:cNvPr id="6" name="TextBox 5"/>
+          <p:cNvSpPr txBox="1"/>
+          <p:nvPr/>
+        </p:nvSpPr>
+        <p:spPr>
+          <a:xfrm>
+            <a:off x="1703512" y="1700808"/>
+            <a:ext cx="792088" cy="923330"/>
+          </a:xfrm>
+          <a:prstGeom prst="rect">
+            <a:avLst/>
+          </a:prstGeom>
+          <a:noFill/>
+        </p:spPr>
+        <p:txBody>
+          <a:bodyPr wrap="square" rtlCol="0">
+            <a:spAutoFit/>
+          </a:bodyPr>
+          <a:lstStyle/>
+          <a:p>
+            <a:r>
+              <a:rPr lang="en-US" sz="5400" b="1" dirty="0">
+                <a:solidFill>
+                  <a:srgbClr val="000066"/>
+                </a:solidFill>
+              </a:rPr>
+              <a:t>2</a:t>
+            </a:r>
+            <a:r>
+              <a:rPr lang="en-US" sz="5400" b="1" dirty="0" smtClean="0">
+                <a:solidFill>
+                  <a:srgbClr val="000066"/>
+                </a:solidFill>
+              </a:rPr>
+              <a:t>.</a:t>
+            </a:r>
+            <a:endParaRPr lang="vi-VN" sz="5400" b="1" dirty="0">
+              <a:solidFill>
+                <a:srgbClr val="000066"/>
+              </a:solidFill>
             </a:endParaRPr>
           </a:p>
         </p:txBody>
@@ -3571,11 +3667,13 @@
         </p:nvSpPr>
         <p:spPr/>
         <p:txBody>
-          <a:bodyPr/>
-          <a:lstStyle/>
-          <a:p>
-            <a:r>
-              <a:rPr lang="zh-CN" altLang="en-US" b="1" dirty="0" smtClean="0">
+          <a:bodyPr>
+            <a:normAutofit/>
+          </a:bodyPr>
+          <a:lstStyle/>
+          <a:p>
+            <a:r>
+              <a:rPr lang="zh-CN" altLang="en-US" sz="4800" b="1" dirty="0">
                 <a:solidFill>
                   <a:srgbClr val="000066"/>
                 </a:solidFill>
@@ -3584,7 +3682,7 @@
               </a:rPr>
               <a:t>我今來就十字架</a:t>
             </a:r>
-            <a:endParaRPr lang="zh-TW" altLang="en-US" b="1" dirty="0">
+            <a:endParaRPr lang="zh-TW" altLang="en-US" sz="4800" b="1" dirty="0">
               <a:solidFill>
                 <a:srgbClr val="000066"/>
               </a:solidFill>
@@ -3615,7 +3713,7 @@
               <a:buNone/>
             </a:pPr>
             <a:r>
-              <a:rPr lang="zh-CN" altLang="en-US" sz="5400" b="1" dirty="0" smtClean="0">
+              <a:rPr lang="zh-CN" altLang="en-US" sz="5400" b="1" dirty="0">
                 <a:solidFill>
                   <a:srgbClr val="000066"/>
                 </a:solidFill>
@@ -3624,7 +3722,7 @@
               </a:rPr>
               <a:t>我今靠救主鴻恩</a:t>
             </a:r>
-            <a:endParaRPr lang="en-US" altLang="zh-CN" sz="5400" b="1" dirty="0" smtClean="0">
+            <a:endParaRPr lang="en-US" altLang="zh-CN" sz="5400" b="1" dirty="0">
               <a:solidFill>
                 <a:srgbClr val="000066"/>
               </a:solidFill>
@@ -3637,26 +3735,16 @@
               <a:buNone/>
             </a:pPr>
             <a:r>
-              <a:rPr lang="zh-CN" altLang="en-US" sz="5400" b="1" dirty="0" smtClean="0">
+              <a:rPr lang="zh-CN" altLang="en-US" sz="5400" b="1" dirty="0">
                 <a:solidFill>
                   <a:srgbClr val="000066"/>
                 </a:solidFill>
                 <a:latin typeface="微軟正黑體" pitchFamily="34" charset="-120"/>
                 <a:ea typeface="微軟正黑體" pitchFamily="34" charset="-120"/>
               </a:rPr>
-              <a:t>因</a:t>
-            </a:r>
-            <a:r>
-              <a:rPr lang="zh-CN" altLang="en-US" sz="5400" b="1" dirty="0" smtClean="0">
-                <a:solidFill>
-                  <a:srgbClr val="000066"/>
-                </a:solidFill>
-                <a:latin typeface="微軟正黑體" pitchFamily="34" charset="-120"/>
-                <a:ea typeface="微軟正黑體" pitchFamily="34" charset="-120"/>
-              </a:rPr>
-              <a:t>爲主可憐罪人</a:t>
-            </a:r>
-            <a:endParaRPr lang="en-US" altLang="zh-CN" sz="5400" b="1" dirty="0" smtClean="0">
+              <a:t>因爲主可憐罪人</a:t>
+            </a:r>
+            <a:endParaRPr lang="en-US" altLang="zh-CN" sz="5400" b="1" dirty="0">
               <a:solidFill>
                 <a:srgbClr val="000066"/>
               </a:solidFill>
@@ -3669,7 +3757,7 @@
               <a:buNone/>
             </a:pPr>
             <a:r>
-              <a:rPr lang="zh-CN" altLang="en-US" sz="5400" b="1" dirty="0" smtClean="0">
+              <a:rPr lang="zh-CN" altLang="en-US" sz="5400" b="1" dirty="0">
                 <a:solidFill>
                   <a:srgbClr val="000066"/>
                 </a:solidFill>
@@ -3678,7 +3766,7 @@
               </a:rPr>
               <a:t>今向主俯首敬拜</a:t>
             </a:r>
-            <a:endParaRPr lang="en-US" altLang="zh-CN" sz="5400" b="1" dirty="0" smtClean="0">
+            <a:endParaRPr lang="en-US" altLang="zh-CN" sz="5400" b="1" dirty="0">
               <a:solidFill>
                 <a:srgbClr val="000066"/>
               </a:solidFill>
@@ -3691,7 +3779,7 @@
               <a:buNone/>
             </a:pPr>
             <a:r>
-              <a:rPr lang="zh-CN" altLang="en-US" sz="5400" b="1" dirty="0" smtClean="0">
+              <a:rPr lang="zh-CN" altLang="en-US" sz="5400" b="1" dirty="0">
                 <a:solidFill>
                   <a:srgbClr val="000066"/>
                 </a:solidFill>
@@ -3747,11 +3835,13 @@
         </p:nvSpPr>
         <p:spPr/>
         <p:txBody>
-          <a:bodyPr/>
-          <a:lstStyle/>
-          <a:p>
-            <a:r>
-              <a:rPr lang="zh-CN" altLang="en-US" b="1" dirty="0" smtClean="0">
+          <a:bodyPr>
+            <a:normAutofit/>
+          </a:bodyPr>
+          <a:lstStyle/>
+          <a:p>
+            <a:r>
+              <a:rPr lang="zh-CN" altLang="en-US" sz="4800" b="1" dirty="0">
                 <a:solidFill>
                   <a:srgbClr val="000066"/>
                 </a:solidFill>
@@ -3760,7 +3850,7 @@
               </a:rPr>
               <a:t>我今來就十字架</a:t>
             </a:r>
-            <a:endParaRPr lang="zh-TW" altLang="en-US" b="1" dirty="0">
+            <a:endParaRPr lang="zh-TW" altLang="en-US" sz="4800" b="1" dirty="0">
               <a:solidFill>
                 <a:srgbClr val="000066"/>
               </a:solidFill>
@@ -3791,7 +3881,7 @@
               <a:buNone/>
             </a:pPr>
             <a:r>
-              <a:rPr lang="zh-CN" altLang="en-US" sz="5400" b="1" dirty="0" smtClean="0">
+              <a:rPr lang="zh-CN" altLang="en-US" sz="5400" b="1" dirty="0">
                 <a:solidFill>
                   <a:srgbClr val="000066"/>
                 </a:solidFill>
@@ -3800,7 +3890,7 @@
               </a:rPr>
               <a:t>主應許是我所靠</a:t>
             </a:r>
-            <a:endParaRPr lang="en-US" altLang="zh-CN" sz="5400" b="1" dirty="0" smtClean="0">
+            <a:endParaRPr lang="en-US" altLang="zh-CN" sz="5400" b="1" dirty="0">
               <a:solidFill>
                 <a:srgbClr val="000066"/>
               </a:solidFill>
@@ -3813,7 +3903,7 @@
               <a:buNone/>
             </a:pPr>
             <a:r>
-              <a:rPr lang="zh-CN" altLang="en-US" sz="5400" b="1" dirty="0" smtClean="0">
+              <a:rPr lang="zh-CN" altLang="en-US" sz="5400" b="1" dirty="0">
                 <a:solidFill>
                   <a:srgbClr val="000066"/>
                 </a:solidFill>
@@ -3822,7 +3912,7 @@
               </a:rPr>
               <a:t>主寶血將心洗清</a:t>
             </a:r>
-            <a:endParaRPr lang="en-US" altLang="zh-CN" sz="5400" b="1" dirty="0" smtClean="0">
+            <a:endParaRPr lang="en-US" altLang="zh-CN" sz="5400" b="1" dirty="0">
               <a:solidFill>
                 <a:srgbClr val="000066"/>
               </a:solidFill>
@@ -3835,7 +3925,7 @@
               <a:buNone/>
             </a:pPr>
             <a:r>
-              <a:rPr lang="zh-CN" altLang="en-US" sz="5400" b="1" dirty="0" smtClean="0">
+              <a:rPr lang="zh-CN" altLang="en-US" sz="5400" b="1" dirty="0">
                 <a:solidFill>
                   <a:srgbClr val="000066"/>
                 </a:solidFill>
@@ -3844,7 +3934,7 @@
               </a:rPr>
               <a:t>主足前我虔心禱</a:t>
             </a:r>
-            <a:endParaRPr lang="en-US" altLang="zh-CN" sz="5400" b="1" dirty="0" smtClean="0">
+            <a:endParaRPr lang="en-US" altLang="zh-CN" sz="5400" b="1" dirty="0">
               <a:solidFill>
                 <a:srgbClr val="000066"/>
               </a:solidFill>
@@ -3857,7 +3947,7 @@
               <a:buNone/>
             </a:pPr>
             <a:r>
-              <a:rPr lang="zh-CN" altLang="en-US" sz="5400" b="1" dirty="0" smtClean="0">
+              <a:rPr lang="zh-CN" altLang="en-US" sz="5400" b="1" dirty="0">
                 <a:solidFill>
                   <a:srgbClr val="000066"/>
                 </a:solidFill>
@@ -3872,6 +3962,52 @@
               </a:solidFill>
               <a:latin typeface="微軟正黑體" pitchFamily="34" charset="-120"/>
               <a:ea typeface="微軟正黑體" pitchFamily="34" charset="-120"/>
+            </a:endParaRPr>
+          </a:p>
+        </p:txBody>
+      </p:sp>
+      <p:sp>
+        <p:nvSpPr>
+          <p:cNvPr id="6" name="TextBox 5"/>
+          <p:cNvSpPr txBox="1"/>
+          <p:nvPr/>
+        </p:nvSpPr>
+        <p:spPr>
+          <a:xfrm>
+            <a:off x="1703512" y="1700808"/>
+            <a:ext cx="792088" cy="923330"/>
+          </a:xfrm>
+          <a:prstGeom prst="rect">
+            <a:avLst/>
+          </a:prstGeom>
+          <a:noFill/>
+        </p:spPr>
+        <p:txBody>
+          <a:bodyPr wrap="square" rtlCol="0">
+            <a:spAutoFit/>
+          </a:bodyPr>
+          <a:lstStyle/>
+          <a:p>
+            <a:r>
+              <a:rPr lang="en-US" sz="5400" b="1" dirty="0">
+                <a:solidFill>
+                  <a:srgbClr val="000066"/>
+                </a:solidFill>
+              </a:rPr>
+              <a:t>3</a:t>
+            </a:r>
+            <a:r>
+              <a:rPr lang="en-US" sz="5400" b="1" dirty="0" smtClean="0">
+                <a:solidFill>
+                  <a:srgbClr val="000066"/>
+                </a:solidFill>
+              </a:rPr>
+              <a:t>.</a:t>
+            </a:r>
+            <a:endParaRPr lang="vi-VN" sz="5400" b="1" dirty="0">
+              <a:solidFill>
+                <a:srgbClr val="000066"/>
+              </a:solidFill>
             </a:endParaRPr>
           </a:p>
         </p:txBody>
@@ -3913,11 +4049,13 @@
         </p:nvSpPr>
         <p:spPr/>
         <p:txBody>
-          <a:bodyPr/>
-          <a:lstStyle/>
-          <a:p>
-            <a:r>
-              <a:rPr lang="zh-CN" altLang="en-US" b="1" dirty="0" smtClean="0">
+          <a:bodyPr>
+            <a:normAutofit/>
+          </a:bodyPr>
+          <a:lstStyle/>
+          <a:p>
+            <a:r>
+              <a:rPr lang="zh-CN" altLang="en-US" sz="4800" b="1" dirty="0">
                 <a:solidFill>
                   <a:srgbClr val="000066"/>
                 </a:solidFill>
@@ -3926,7 +4064,7 @@
               </a:rPr>
               <a:t>我今來就十字架</a:t>
             </a:r>
-            <a:endParaRPr lang="zh-TW" altLang="en-US" b="1" dirty="0">
+            <a:endParaRPr lang="zh-TW" altLang="en-US" sz="4800" b="1" dirty="0">
               <a:solidFill>
                 <a:srgbClr val="000066"/>
               </a:solidFill>
@@ -3957,7 +4095,7 @@
               <a:buNone/>
             </a:pPr>
             <a:r>
-              <a:rPr lang="zh-CN" altLang="en-US" sz="5400" b="1" dirty="0" smtClean="0">
+              <a:rPr lang="zh-CN" altLang="en-US" sz="5400" b="1" dirty="0">
                 <a:solidFill>
                   <a:srgbClr val="000066"/>
                 </a:solidFill>
@@ -3966,7 +4104,7 @@
               </a:rPr>
               <a:t>我今靠救主鴻恩</a:t>
             </a:r>
-            <a:endParaRPr lang="en-US" altLang="zh-CN" sz="5400" b="1" dirty="0" smtClean="0">
+            <a:endParaRPr lang="en-US" altLang="zh-CN" sz="5400" b="1" dirty="0">
               <a:solidFill>
                 <a:srgbClr val="000066"/>
               </a:solidFill>
@@ -3979,26 +4117,16 @@
               <a:buNone/>
             </a:pPr>
             <a:r>
-              <a:rPr lang="zh-CN" altLang="en-US" sz="5400" b="1" dirty="0" smtClean="0">
+              <a:rPr lang="zh-CN" altLang="en-US" sz="5400" b="1" dirty="0">
                 <a:solidFill>
                   <a:srgbClr val="000066"/>
                 </a:solidFill>
                 <a:latin typeface="微軟正黑體" pitchFamily="34" charset="-120"/>
                 <a:ea typeface="微軟正黑體" pitchFamily="34" charset="-120"/>
               </a:rPr>
-              <a:t>因</a:t>
-            </a:r>
-            <a:r>
-              <a:rPr lang="zh-CN" altLang="en-US" sz="5400" b="1" dirty="0" smtClean="0">
-                <a:solidFill>
-                  <a:srgbClr val="000066"/>
-                </a:solidFill>
-                <a:latin typeface="微軟正黑體" pitchFamily="34" charset="-120"/>
-                <a:ea typeface="微軟正黑體" pitchFamily="34" charset="-120"/>
-              </a:rPr>
-              <a:t>爲主可憐罪人</a:t>
-            </a:r>
-            <a:endParaRPr lang="en-US" altLang="zh-CN" sz="5400" b="1" dirty="0" smtClean="0">
+              <a:t>因爲主可憐罪人</a:t>
+            </a:r>
+            <a:endParaRPr lang="en-US" altLang="zh-CN" sz="5400" b="1" dirty="0">
               <a:solidFill>
                 <a:srgbClr val="000066"/>
               </a:solidFill>
@@ -4011,7 +4139,7 @@
               <a:buNone/>
             </a:pPr>
             <a:r>
-              <a:rPr lang="zh-CN" altLang="en-US" sz="5400" b="1" dirty="0" smtClean="0">
+              <a:rPr lang="zh-CN" altLang="en-US" sz="5400" b="1" dirty="0">
                 <a:solidFill>
                   <a:srgbClr val="000066"/>
                 </a:solidFill>
@@ -4020,7 +4148,7 @@
               </a:rPr>
               <a:t>今向主俯首敬拜</a:t>
             </a:r>
-            <a:endParaRPr lang="en-US" altLang="zh-CN" sz="5400" b="1" dirty="0" smtClean="0">
+            <a:endParaRPr lang="en-US" altLang="zh-CN" sz="5400" b="1" dirty="0">
               <a:solidFill>
                 <a:srgbClr val="000066"/>
               </a:solidFill>
@@ -4033,7 +4161,7 @@
               <a:buNone/>
             </a:pPr>
             <a:r>
-              <a:rPr lang="zh-CN" altLang="en-US" sz="5400" b="1" dirty="0" smtClean="0">
+              <a:rPr lang="zh-CN" altLang="en-US" sz="5400" b="1" dirty="0">
                 <a:solidFill>
                   <a:srgbClr val="000066"/>
                 </a:solidFill>
@@ -4089,11 +4217,13 @@
         </p:nvSpPr>
         <p:spPr/>
         <p:txBody>
-          <a:bodyPr/>
-          <a:lstStyle/>
-          <a:p>
-            <a:r>
-              <a:rPr lang="zh-CN" altLang="en-US" b="1" dirty="0" smtClean="0">
+          <a:bodyPr>
+            <a:normAutofit/>
+          </a:bodyPr>
+          <a:lstStyle/>
+          <a:p>
+            <a:r>
+              <a:rPr lang="zh-CN" altLang="en-US" sz="4800" b="1" dirty="0">
                 <a:solidFill>
                   <a:srgbClr val="000066"/>
                 </a:solidFill>
@@ -4102,7 +4232,7 @@
               </a:rPr>
               <a:t>我今來就十字架</a:t>
             </a:r>
-            <a:endParaRPr lang="zh-TW" altLang="en-US" b="1" dirty="0">
+            <a:endParaRPr lang="zh-TW" altLang="en-US" sz="4800" b="1" dirty="0">
               <a:solidFill>
                 <a:srgbClr val="000066"/>
               </a:solidFill>
@@ -4133,7 +4263,7 @@
               <a:buNone/>
             </a:pPr>
             <a:r>
-              <a:rPr lang="zh-CN" altLang="en-US" sz="5400" b="1" dirty="0" smtClean="0">
+              <a:rPr lang="zh-CN" altLang="en-US" sz="5400" b="1" dirty="0">
                 <a:solidFill>
                   <a:srgbClr val="000066"/>
                 </a:solidFill>
@@ -4142,7 +4272,7 @@
               </a:rPr>
               <a:t>求主靈充滿我心</a:t>
             </a:r>
-            <a:endParaRPr lang="en-US" altLang="zh-CN" sz="5400" b="1" dirty="0" smtClean="0">
+            <a:endParaRPr lang="en-US" altLang="zh-CN" sz="5400" b="1" dirty="0">
               <a:solidFill>
                 <a:srgbClr val="000066"/>
               </a:solidFill>
@@ -4155,7 +4285,7 @@
               <a:buNone/>
             </a:pPr>
             <a:r>
-              <a:rPr lang="zh-CN" altLang="en-US" sz="5400" b="1" dirty="0" smtClean="0">
+              <a:rPr lang="zh-CN" altLang="en-US" sz="5400" b="1" dirty="0">
                 <a:solidFill>
                   <a:srgbClr val="000066"/>
                 </a:solidFill>
@@ -4164,7 +4294,7 @@
               </a:rPr>
               <a:t>使生活快樂歡暢</a:t>
             </a:r>
-            <a:endParaRPr lang="en-US" altLang="zh-CN" sz="5400" b="1" dirty="0" smtClean="0">
+            <a:endParaRPr lang="en-US" altLang="zh-CN" sz="5400" b="1" dirty="0">
               <a:solidFill>
                 <a:srgbClr val="000066"/>
               </a:solidFill>
@@ -4177,7 +4307,7 @@
               <a:buNone/>
             </a:pPr>
             <a:r>
-              <a:rPr lang="zh-CN" altLang="en-US" sz="5400" b="1" dirty="0" smtClean="0">
+              <a:rPr lang="zh-CN" altLang="en-US" sz="5400" b="1" dirty="0">
                 <a:solidFill>
                   <a:srgbClr val="000066"/>
                 </a:solidFill>
@@ -4186,7 +4316,7 @@
               </a:rPr>
               <a:t>諸罪債主已還清</a:t>
             </a:r>
-            <a:endParaRPr lang="en-US" altLang="zh-CN" sz="5400" b="1" dirty="0" smtClean="0">
+            <a:endParaRPr lang="en-US" altLang="zh-CN" sz="5400" b="1" dirty="0">
               <a:solidFill>
                 <a:srgbClr val="000066"/>
               </a:solidFill>
@@ -4199,7 +4329,7 @@
               <a:buNone/>
             </a:pPr>
             <a:r>
-              <a:rPr lang="zh-CN" altLang="en-US" sz="5400" b="1" dirty="0" smtClean="0">
+              <a:rPr lang="zh-CN" altLang="en-US" sz="5400" b="1" dirty="0">
                 <a:solidFill>
                   <a:srgbClr val="000066"/>
                 </a:solidFill>
@@ -4214,6 +4344,52 @@
               </a:solidFill>
               <a:latin typeface="微軟正黑體" pitchFamily="34" charset="-120"/>
               <a:ea typeface="微軟正黑體" pitchFamily="34" charset="-120"/>
+            </a:endParaRPr>
+          </a:p>
+        </p:txBody>
+      </p:sp>
+      <p:sp>
+        <p:nvSpPr>
+          <p:cNvPr id="6" name="TextBox 5"/>
+          <p:cNvSpPr txBox="1"/>
+          <p:nvPr/>
+        </p:nvSpPr>
+        <p:spPr>
+          <a:xfrm>
+            <a:off x="1703512" y="1700808"/>
+            <a:ext cx="792088" cy="923330"/>
+          </a:xfrm>
+          <a:prstGeom prst="rect">
+            <a:avLst/>
+          </a:prstGeom>
+          <a:noFill/>
+        </p:spPr>
+        <p:txBody>
+          <a:bodyPr wrap="square" rtlCol="0">
+            <a:spAutoFit/>
+          </a:bodyPr>
+          <a:lstStyle/>
+          <a:p>
+            <a:r>
+              <a:rPr lang="en-US" sz="5400" b="1" dirty="0">
+                <a:solidFill>
+                  <a:srgbClr val="000066"/>
+                </a:solidFill>
+              </a:rPr>
+              <a:t>4</a:t>
+            </a:r>
+            <a:r>
+              <a:rPr lang="en-US" sz="5400" b="1" dirty="0" smtClean="0">
+                <a:solidFill>
+                  <a:srgbClr val="000066"/>
+                </a:solidFill>
+              </a:rPr>
+              <a:t>.</a:t>
+            </a:r>
+            <a:endParaRPr lang="vi-VN" sz="5400" b="1" dirty="0">
+              <a:solidFill>
+                <a:srgbClr val="000066"/>
+              </a:solidFill>
             </a:endParaRPr>
           </a:p>
         </p:txBody>
@@ -4255,11 +4431,13 @@
         </p:nvSpPr>
         <p:spPr/>
         <p:txBody>
-          <a:bodyPr/>
-          <a:lstStyle/>
-          <a:p>
-            <a:r>
-              <a:rPr lang="zh-CN" altLang="en-US" b="1" dirty="0" smtClean="0">
+          <a:bodyPr>
+            <a:normAutofit/>
+          </a:bodyPr>
+          <a:lstStyle/>
+          <a:p>
+            <a:r>
+              <a:rPr lang="zh-CN" altLang="en-US" sz="4800" b="1" dirty="0">
                 <a:solidFill>
                   <a:srgbClr val="000066"/>
                 </a:solidFill>
@@ -4268,7 +4446,7 @@
               </a:rPr>
               <a:t>我今來就十字架</a:t>
             </a:r>
-            <a:endParaRPr lang="zh-TW" altLang="en-US" b="1" dirty="0">
+            <a:endParaRPr lang="zh-TW" altLang="en-US" sz="4800" b="1" dirty="0">
               <a:solidFill>
                 <a:srgbClr val="000066"/>
               </a:solidFill>
@@ -4299,7 +4477,7 @@
               <a:buNone/>
             </a:pPr>
             <a:r>
-              <a:rPr lang="zh-CN" altLang="en-US" sz="5400" b="1" dirty="0" smtClean="0">
+              <a:rPr lang="zh-CN" altLang="en-US" sz="5400" b="1" dirty="0">
                 <a:solidFill>
                   <a:srgbClr val="000066"/>
                 </a:solidFill>
@@ -4308,7 +4486,7 @@
               </a:rPr>
               <a:t>我今靠救主鴻恩</a:t>
             </a:r>
-            <a:endParaRPr lang="en-US" altLang="zh-CN" sz="5400" b="1" dirty="0" smtClean="0">
+            <a:endParaRPr lang="en-US" altLang="zh-CN" sz="5400" b="1" dirty="0">
               <a:solidFill>
                 <a:srgbClr val="000066"/>
               </a:solidFill>
@@ -4321,26 +4499,16 @@
               <a:buNone/>
             </a:pPr>
             <a:r>
-              <a:rPr lang="zh-CN" altLang="en-US" sz="5400" b="1" dirty="0" smtClean="0">
+              <a:rPr lang="zh-CN" altLang="en-US" sz="5400" b="1" dirty="0">
                 <a:solidFill>
                   <a:srgbClr val="000066"/>
                 </a:solidFill>
                 <a:latin typeface="微軟正黑體" pitchFamily="34" charset="-120"/>
                 <a:ea typeface="微軟正黑體" pitchFamily="34" charset="-120"/>
               </a:rPr>
-              <a:t>因</a:t>
-            </a:r>
-            <a:r>
-              <a:rPr lang="zh-CN" altLang="en-US" sz="5400" b="1" dirty="0" smtClean="0">
-                <a:solidFill>
-                  <a:srgbClr val="000066"/>
-                </a:solidFill>
-                <a:latin typeface="微軟正黑體" pitchFamily="34" charset="-120"/>
-                <a:ea typeface="微軟正黑體" pitchFamily="34" charset="-120"/>
-              </a:rPr>
-              <a:t>爲主可憐罪人</a:t>
-            </a:r>
-            <a:endParaRPr lang="en-US" altLang="zh-CN" sz="5400" b="1" dirty="0" smtClean="0">
+              <a:t>因爲主可憐罪人</a:t>
+            </a:r>
+            <a:endParaRPr lang="en-US" altLang="zh-CN" sz="5400" b="1" dirty="0">
               <a:solidFill>
                 <a:srgbClr val="000066"/>
               </a:solidFill>
@@ -4353,7 +4521,7 @@
               <a:buNone/>
             </a:pPr>
             <a:r>
-              <a:rPr lang="zh-CN" altLang="en-US" sz="5400" b="1" dirty="0" smtClean="0">
+              <a:rPr lang="zh-CN" altLang="en-US" sz="5400" b="1" dirty="0">
                 <a:solidFill>
                   <a:srgbClr val="000066"/>
                 </a:solidFill>
@@ -4362,7 +4530,7 @@
               </a:rPr>
               <a:t>今向主俯首敬拜</a:t>
             </a:r>
-            <a:endParaRPr lang="en-US" altLang="zh-CN" sz="5400" b="1" dirty="0" smtClean="0">
+            <a:endParaRPr lang="en-US" altLang="zh-CN" sz="5400" b="1" dirty="0">
               <a:solidFill>
                 <a:srgbClr val="000066"/>
               </a:solidFill>
@@ -4375,7 +4543,7 @@
               <a:buNone/>
             </a:pPr>
             <a:r>
-              <a:rPr lang="zh-CN" altLang="en-US" sz="5400" b="1" dirty="0" smtClean="0">
+              <a:rPr lang="zh-CN" altLang="en-US" sz="5400" b="1" dirty="0">
                 <a:solidFill>
                   <a:srgbClr val="000066"/>
                 </a:solidFill>
